--- a/Slides/11_DataModeling_TrainingPlan.pptx
+++ b/Slides/11_DataModeling_TrainingPlan.pptx
@@ -220,7 +220,7 @@
           <a:p>
             <a:fld id="{4137A97C-D894-46E7-B5B8-E9DF4B14B99A}" type="datetimeFigureOut">
               <a:rPr lang="en-US" smtClean="0"/>
-              <a:t>1/20/2018</a:t>
+              <a:t>2/4/2018</a:t>
             </a:fld>
             <a:endParaRPr lang="en-US"/>
           </a:p>
@@ -622,13 +622,8 @@
             </a:pPr>
             <a:r>
               <a:rPr lang="en-US" dirty="0" smtClean="0"/>
-              <a:t>First normal form is ensuring there are no repeating groups </a:t>
-            </a:r>
-            <a:r>
-              <a:rPr lang="en-US" dirty="0" smtClean="0"/>
-              <a:t>and an attribute holds only one value.</a:t>
-            </a:r>
-            <a:endParaRPr lang="en-US" dirty="0" smtClean="0"/>
+              <a:t>First normal form is ensuring there are no repeating groups and an attribute holds only one value.</a:t>
+            </a:r>
           </a:p>
           <a:p>
             <a:pPr marL="171450" indent="-171450">
@@ -4159,7 +4154,7 @@
           <a:p>
             <a:fld id="{96FB5D56-0812-4ED5-8B52-3D0DCBF578CB}" type="datetimeFigureOut">
               <a:rPr lang="en-US" smtClean="0"/>
-              <a:t>1/20/2018</a:t>
+              <a:t>2/4/2018</a:t>
             </a:fld>
             <a:endParaRPr lang="en-US"/>
           </a:p>
@@ -4434,7 +4429,7 @@
           <a:p>
             <a:fld id="{96FB5D56-0812-4ED5-8B52-3D0DCBF578CB}" type="datetimeFigureOut">
               <a:rPr lang="en-US" smtClean="0"/>
-              <a:t>1/20/2018</a:t>
+              <a:t>2/4/2018</a:t>
             </a:fld>
             <a:endParaRPr lang="en-US"/>
           </a:p>
@@ -4628,7 +4623,7 @@
           <a:p>
             <a:fld id="{96FB5D56-0812-4ED5-8B52-3D0DCBF578CB}" type="datetimeFigureOut">
               <a:rPr lang="en-US" smtClean="0"/>
-              <a:t>1/20/2018</a:t>
+              <a:t>2/4/2018</a:t>
             </a:fld>
             <a:endParaRPr lang="en-US"/>
           </a:p>
@@ -4901,7 +4896,7 @@
           <a:p>
             <a:fld id="{96FB5D56-0812-4ED5-8B52-3D0DCBF578CB}" type="datetimeFigureOut">
               <a:rPr lang="en-US" smtClean="0"/>
-              <a:t>1/20/2018</a:t>
+              <a:t>2/4/2018</a:t>
             </a:fld>
             <a:endParaRPr lang="en-US"/>
           </a:p>
@@ -5242,7 +5237,7 @@
           <a:p>
             <a:fld id="{96FB5D56-0812-4ED5-8B52-3D0DCBF578CB}" type="datetimeFigureOut">
               <a:rPr lang="en-US" smtClean="0"/>
-              <a:t>1/20/2018</a:t>
+              <a:t>2/4/2018</a:t>
             </a:fld>
             <a:endParaRPr lang="en-US"/>
           </a:p>
@@ -5865,7 +5860,7 @@
           <a:p>
             <a:fld id="{96FB5D56-0812-4ED5-8B52-3D0DCBF578CB}" type="datetimeFigureOut">
               <a:rPr lang="en-US" smtClean="0"/>
-              <a:t>1/20/2018</a:t>
+              <a:t>2/4/2018</a:t>
             </a:fld>
             <a:endParaRPr lang="en-US"/>
           </a:p>
@@ -6725,7 +6720,7 @@
           <a:p>
             <a:fld id="{96FB5D56-0812-4ED5-8B52-3D0DCBF578CB}" type="datetimeFigureOut">
               <a:rPr lang="en-US" smtClean="0"/>
-              <a:t>1/20/2018</a:t>
+              <a:t>2/4/2018</a:t>
             </a:fld>
             <a:endParaRPr lang="en-US"/>
           </a:p>
@@ -6895,7 +6890,7 @@
           <a:p>
             <a:fld id="{96FB5D56-0812-4ED5-8B52-3D0DCBF578CB}" type="datetimeFigureOut">
               <a:rPr lang="en-US" smtClean="0"/>
-              <a:t>1/20/2018</a:t>
+              <a:t>2/4/2018</a:t>
             </a:fld>
             <a:endParaRPr lang="en-US"/>
           </a:p>
@@ -7075,7 +7070,7 @@
           <a:p>
             <a:fld id="{96FB5D56-0812-4ED5-8B52-3D0DCBF578CB}" type="datetimeFigureOut">
               <a:rPr lang="en-US" smtClean="0"/>
-              <a:t>1/20/2018</a:t>
+              <a:t>2/4/2018</a:t>
             </a:fld>
             <a:endParaRPr lang="en-US"/>
           </a:p>
@@ -7245,7 +7240,7 @@
           <a:p>
             <a:fld id="{96FB5D56-0812-4ED5-8B52-3D0DCBF578CB}" type="datetimeFigureOut">
               <a:rPr lang="en-US" smtClean="0"/>
-              <a:t>1/20/2018</a:t>
+              <a:t>2/4/2018</a:t>
             </a:fld>
             <a:endParaRPr lang="en-US"/>
           </a:p>
@@ -7492,7 +7487,7 @@
           <a:p>
             <a:fld id="{96FB5D56-0812-4ED5-8B52-3D0DCBF578CB}" type="datetimeFigureOut">
               <a:rPr lang="en-US" smtClean="0"/>
-              <a:t>1/20/2018</a:t>
+              <a:t>2/4/2018</a:t>
             </a:fld>
             <a:endParaRPr lang="en-US"/>
           </a:p>
@@ -7784,7 +7779,7 @@
           <a:p>
             <a:fld id="{96FB5D56-0812-4ED5-8B52-3D0DCBF578CB}" type="datetimeFigureOut">
               <a:rPr lang="en-US" smtClean="0"/>
-              <a:t>1/20/2018</a:t>
+              <a:t>2/4/2018</a:t>
             </a:fld>
             <a:endParaRPr lang="en-US"/>
           </a:p>
@@ -8228,7 +8223,7 @@
           <a:p>
             <a:fld id="{96FB5D56-0812-4ED5-8B52-3D0DCBF578CB}" type="datetimeFigureOut">
               <a:rPr lang="en-US" smtClean="0"/>
-              <a:t>1/20/2018</a:t>
+              <a:t>2/4/2018</a:t>
             </a:fld>
             <a:endParaRPr lang="en-US"/>
           </a:p>
@@ -8346,7 +8341,7 @@
           <a:p>
             <a:fld id="{96FB5D56-0812-4ED5-8B52-3D0DCBF578CB}" type="datetimeFigureOut">
               <a:rPr lang="en-US" smtClean="0"/>
-              <a:t>1/20/2018</a:t>
+              <a:t>2/4/2018</a:t>
             </a:fld>
             <a:endParaRPr lang="en-US"/>
           </a:p>
@@ -8441,7 +8436,7 @@
           <a:p>
             <a:fld id="{96FB5D56-0812-4ED5-8B52-3D0DCBF578CB}" type="datetimeFigureOut">
               <a:rPr lang="en-US" smtClean="0"/>
-              <a:t>1/20/2018</a:t>
+              <a:t>2/4/2018</a:t>
             </a:fld>
             <a:endParaRPr lang="en-US"/>
           </a:p>
@@ -8720,7 +8715,7 @@
           <a:p>
             <a:fld id="{96FB5D56-0812-4ED5-8B52-3D0DCBF578CB}" type="datetimeFigureOut">
               <a:rPr lang="en-US" smtClean="0"/>
-              <a:t>1/20/2018</a:t>
+              <a:t>2/4/2018</a:t>
             </a:fld>
             <a:endParaRPr lang="en-US"/>
           </a:p>
@@ -8995,7 +8990,7 @@
           <a:p>
             <a:fld id="{96FB5D56-0812-4ED5-8B52-3D0DCBF578CB}" type="datetimeFigureOut">
               <a:rPr lang="en-US" smtClean="0"/>
-              <a:t>1/20/2018</a:t>
+              <a:t>2/4/2018</a:t>
             </a:fld>
             <a:endParaRPr lang="en-US"/>
           </a:p>
@@ -9424,7 +9419,7 @@
           <a:p>
             <a:fld id="{96FB5D56-0812-4ED5-8B52-3D0DCBF578CB}" type="datetimeFigureOut">
               <a:rPr lang="en-US" smtClean="0"/>
-              <a:t>1/20/2018</a:t>
+              <a:t>2/4/2018</a:t>
             </a:fld>
             <a:endParaRPr lang="en-US"/>
           </a:p>
@@ -10094,11 +10089,7 @@
             <a:pPr lvl="1"/>
             <a:r>
               <a:rPr lang="en-US" sz="2800" dirty="0" smtClean="0"/>
-              <a:t>Having no </a:t>
-            </a:r>
-            <a:r>
-              <a:rPr lang="en-US" sz="2800" dirty="0" smtClean="0"/>
-              <a:t>repeating groups (array of the same value)</a:t>
+              <a:t>Having no repeating groups (array of the same value)</a:t>
             </a:r>
           </a:p>
           <a:p>
@@ -10110,11 +10101,7 @@
           <a:p>
             <a:r>
               <a:rPr lang="en-US" sz="2800" dirty="0" smtClean="0"/>
-              <a:t>Define </a:t>
-            </a:r>
-            <a:r>
-              <a:rPr lang="en-US" sz="2800" dirty="0" smtClean="0"/>
-              <a:t>a primary or candidate key</a:t>
+              <a:t>Define a primary or candidate key</a:t>
             </a:r>
             <a:endParaRPr lang="en-US" sz="2800" dirty="0"/>
           </a:p>
@@ -10638,6 +10625,36 @@
           </a:p>
         </p:txBody>
       </p:sp>
+      <p:pic>
+        <p:nvPicPr>
+          <p:cNvPr id="4" name="Picture 3"/>
+          <p:cNvPicPr>
+            <a:picLocks noChangeAspect="1"/>
+          </p:cNvPicPr>
+          <p:nvPr/>
+        </p:nvPicPr>
+        <p:blipFill>
+          <a:blip r:embed="rId3">
+            <a:extLst>
+              <a:ext uri="{28A0092B-C50C-407E-A947-70E740481C1C}">
+                <a14:useLocalDpi xmlns:a14="http://schemas.microsoft.com/office/drawing/2010/main" val="0"/>
+              </a:ext>
+            </a:extLst>
+          </a:blip>
+          <a:stretch>
+            <a:fillRect/>
+          </a:stretch>
+        </p:blipFill>
+        <p:spPr>
+          <a:xfrm>
+            <a:off x="7950200" y="1447800"/>
+            <a:ext cx="3571240" cy="4529836"/>
+          </a:xfrm>
+          <a:prstGeom prst="rect">
+            <a:avLst/>
+          </a:prstGeom>
+        </p:spPr>
+      </p:pic>
     </p:spTree>
     <p:extLst>
       <p:ext uri="{BB962C8B-B14F-4D97-AF65-F5344CB8AC3E}">
@@ -11343,6 +11360,36 @@
           </a:p>
         </p:txBody>
       </p:sp>
+      <p:pic>
+        <p:nvPicPr>
+          <p:cNvPr id="4" name="Picture 3"/>
+          <p:cNvPicPr>
+            <a:picLocks noChangeAspect="1"/>
+          </p:cNvPicPr>
+          <p:nvPr/>
+        </p:nvPicPr>
+        <p:blipFill>
+          <a:blip r:embed="rId3">
+            <a:extLst>
+              <a:ext uri="{28A0092B-C50C-407E-A947-70E740481C1C}">
+                <a14:useLocalDpi xmlns:a14="http://schemas.microsoft.com/office/drawing/2010/main" val="0"/>
+              </a:ext>
+            </a:extLst>
+          </a:blip>
+          <a:stretch>
+            <a:fillRect/>
+          </a:stretch>
+        </p:blipFill>
+        <p:spPr>
+          <a:xfrm>
+            <a:off x="7950200" y="1447800"/>
+            <a:ext cx="3571240" cy="4529836"/>
+          </a:xfrm>
+          <a:prstGeom prst="rect">
+            <a:avLst/>
+          </a:prstGeom>
+        </p:spPr>
+      </p:pic>
     </p:spTree>
     <p:extLst>
       <p:ext uri="{BB962C8B-B14F-4D97-AF65-F5344CB8AC3E}">
@@ -11494,7 +11541,7 @@
           <a:p>
             <a:r>
               <a:rPr lang="en-US" dirty="0" smtClean="0"/>
-              <a:t>REVIEW GAME</a:t>
+              <a:t>QUICK REVIEW</a:t>
             </a:r>
             <a:endParaRPr lang="en-US" dirty="0"/>
           </a:p>
@@ -11523,6 +11570,36 @@
           </a:p>
         </p:txBody>
       </p:sp>
+      <p:pic>
+        <p:nvPicPr>
+          <p:cNvPr id="4" name="Picture 3"/>
+          <p:cNvPicPr>
+            <a:picLocks noChangeAspect="1"/>
+          </p:cNvPicPr>
+          <p:nvPr/>
+        </p:nvPicPr>
+        <p:blipFill>
+          <a:blip r:embed="rId3">
+            <a:extLst>
+              <a:ext uri="{28A0092B-C50C-407E-A947-70E740481C1C}">
+                <a14:useLocalDpi xmlns:a14="http://schemas.microsoft.com/office/drawing/2010/main" val="0"/>
+              </a:ext>
+            </a:extLst>
+          </a:blip>
+          <a:stretch>
+            <a:fillRect/>
+          </a:stretch>
+        </p:blipFill>
+        <p:spPr>
+          <a:xfrm>
+            <a:off x="8168603" y="1172656"/>
+            <a:ext cx="3624020" cy="5461159"/>
+          </a:xfrm>
+          <a:prstGeom prst="rect">
+            <a:avLst/>
+          </a:prstGeom>
+        </p:spPr>
+      </p:pic>
     </p:spTree>
     <p:extLst>
       <p:ext uri="{BB962C8B-B14F-4D97-AF65-F5344CB8AC3E}">
@@ -12484,6 +12561,36 @@
           </a:p>
         </p:txBody>
       </p:sp>
+      <p:pic>
+        <p:nvPicPr>
+          <p:cNvPr id="4" name="Picture 3"/>
+          <p:cNvPicPr>
+            <a:picLocks noChangeAspect="1"/>
+          </p:cNvPicPr>
+          <p:nvPr/>
+        </p:nvPicPr>
+        <p:blipFill>
+          <a:blip r:embed="rId3">
+            <a:extLst>
+              <a:ext uri="{28A0092B-C50C-407E-A947-70E740481C1C}">
+                <a14:useLocalDpi xmlns:a14="http://schemas.microsoft.com/office/drawing/2010/main" val="0"/>
+              </a:ext>
+            </a:extLst>
+          </a:blip>
+          <a:stretch>
+            <a:fillRect/>
+          </a:stretch>
+        </p:blipFill>
+        <p:spPr>
+          <a:xfrm>
+            <a:off x="7950200" y="1447800"/>
+            <a:ext cx="3571240" cy="4529836"/>
+          </a:xfrm>
+          <a:prstGeom prst="rect">
+            <a:avLst/>
+          </a:prstGeom>
+        </p:spPr>
+      </p:pic>
     </p:spTree>
     <p:extLst>
       <p:ext uri="{BB962C8B-B14F-4D97-AF65-F5344CB8AC3E}">
